--- a/GAN/DCGAN to stylegan.pptx
+++ b/GAN/DCGAN to stylegan.pptx
@@ -5,7 +5,7 @@
     <p:sldMasterId id="2147483648" r:id="rId1"/>
   </p:sldMasterIdLst>
   <p:notesMasterIdLst>
-    <p:notesMasterId r:id="rId17"/>
+    <p:notesMasterId r:id="rId19"/>
   </p:notesMasterIdLst>
   <p:sldIdLst>
     <p:sldId id="256" r:id="rId2"/>
@@ -19,10 +19,12 @@
     <p:sldId id="263" r:id="rId10"/>
     <p:sldId id="268" r:id="rId11"/>
     <p:sldId id="264" r:id="rId12"/>
-    <p:sldId id="261" r:id="rId13"/>
-    <p:sldId id="267" r:id="rId14"/>
-    <p:sldId id="269" r:id="rId15"/>
-    <p:sldId id="270" r:id="rId16"/>
+    <p:sldId id="269" r:id="rId13"/>
+    <p:sldId id="270" r:id="rId14"/>
+    <p:sldId id="272" r:id="rId15"/>
+    <p:sldId id="267" r:id="rId16"/>
+    <p:sldId id="273" r:id="rId17"/>
+    <p:sldId id="261" r:id="rId18"/>
   </p:sldIdLst>
   <p:sldSz cx="12192000" cy="6858000"/>
   <p:notesSz cx="6858000" cy="9144000"/>
@@ -211,7 +213,7 @@
           <a:p>
             <a:fld id="{0EF56423-783D-45AD-8496-E779C12AFFB6}" type="datetimeFigureOut">
               <a:rPr lang="zh-CN" altLang="en-US" smtClean="0"/>
-              <a:t>2019/6/5</a:t>
+              <a:t>2019/6/11</a:t>
             </a:fld>
             <a:endParaRPr lang="zh-CN" altLang="en-US"/>
           </a:p>
@@ -522,6 +524,36 @@
           <a:bodyPr/>
           <a:lstStyle/>
           <a:p>
+            <a:r>
+              <a:rPr lang="zh-CN" altLang="en-US" dirty="0"/>
+              <a:t>如果有这样一种网络，指定一个高级目标，比如“使输出与现实难以区分”，然后自动学习一个适合于满足这个目标的损失函数，这将是非常可取的。幸运的是，这正是生成对抗网络所做的事情。</a:t>
+            </a:r>
+            <a:r>
+              <a:rPr lang="en-US" altLang="zh-CN" dirty="0"/>
+              <a:t>GAN</a:t>
+            </a:r>
+            <a:r>
+              <a:rPr lang="zh-CN" altLang="en-US" dirty="0"/>
+              <a:t>学习一个损失，试图分类输出图像是真实的或假的，同时训练一个生成模型，以减少这种损失。模糊的图像是不能容忍的，因为它们看起来明显是假的。</a:t>
+            </a:r>
+            <a:r>
+              <a:rPr lang="en-US" altLang="zh-CN" dirty="0"/>
+              <a:t>GAN</a:t>
+            </a:r>
+            <a:r>
+              <a:rPr lang="zh-CN" altLang="en-US" dirty="0"/>
+              <a:t>是一种从失败吸取教训，自动学习</a:t>
+            </a:r>
+            <a:r>
+              <a:rPr lang="en-US" altLang="zh-CN" dirty="0"/>
+              <a:t>loss</a:t>
+            </a:r>
+            <a:r>
+              <a:rPr lang="zh-CN" altLang="en-US" dirty="0"/>
+              <a:t>的网络。</a:t>
+            </a:r>
+          </a:p>
+          <a:p>
             <a:pPr marL="0" marR="0" lvl="0" indent="0" algn="l" defTabSz="914400" rtl="0" eaLnBrk="1" fontAlgn="auto" latinLnBrk="0" hangingPunct="1">
               <a:lnSpc>
                 <a:spcPct val="100000"/>
@@ -539,13 +571,30 @@
               <a:tabLst/>
               <a:defRPr/>
             </a:pPr>
+            <a:endParaRPr lang="en-US" altLang="zh-CN" dirty="0"/>
+          </a:p>
+          <a:p>
+            <a:pPr marL="0" marR="0" lvl="0" indent="0" algn="l" defTabSz="914400" rtl="0" eaLnBrk="1" fontAlgn="auto" latinLnBrk="0" hangingPunct="1">
+              <a:lnSpc>
+                <a:spcPct val="100000"/>
+              </a:lnSpc>
+              <a:spcBef>
+                <a:spcPts val="0"/>
+              </a:spcBef>
+              <a:spcAft>
+                <a:spcPts val="0"/>
+              </a:spcAft>
+              <a:buClrTx/>
+              <a:buSzTx/>
+              <a:buFontTx/>
+              <a:buNone/>
+              <a:tabLst/>
+              <a:defRPr/>
+            </a:pPr>
             <a:r>
               <a:rPr lang="zh-CN" altLang="en-US" dirty="0"/>
               <a:t>一开始伪造者和鉴别者的水平都不高，但是鉴别者还是比较容易鉴别出伪造者伪造出来的艺术画。但随着伪造者对伪造技术的学习后，其伪造的艺术画会让鉴别者识别错误；或者随着鉴别者对鉴别技术的学习后，能够很简单的鉴别出伪造者伪造的艺术画。这是一个双方不断学习的技术，以达到最高的伪造和鉴别水平的过程</a:t>
             </a:r>
-          </a:p>
-          <a:p>
-            <a:endParaRPr lang="zh-CN" altLang="en-US" dirty="0"/>
           </a:p>
         </p:txBody>
       </p:sp>
@@ -576,6 +625,90 @@
     <p:extLst>
       <p:ext uri="{BB962C8B-B14F-4D97-AF65-F5344CB8AC3E}">
         <p14:creationId xmlns:p14="http://schemas.microsoft.com/office/powerpoint/2010/main" val="4029562942"/>
+      </p:ext>
+    </p:extLst>
+  </p:cSld>
+  <p:clrMapOvr>
+    <a:masterClrMapping/>
+  </p:clrMapOvr>
+</p:notes>
+</file>
+
+<file path=ppt/notesSlides/notesSlide10.xml><?xml version="1.0" encoding="utf-8"?>
+<p:notes xmlns:a="http://schemas.openxmlformats.org/drawingml/2006/main" xmlns:r="http://schemas.openxmlformats.org/officeDocument/2006/relationships" xmlns:p="http://schemas.openxmlformats.org/presentationml/2006/main">
+  <p:cSld>
+    <p:spTree>
+      <p:nvGrpSpPr>
+        <p:cNvPr id="1" name=""/>
+        <p:cNvGrpSpPr/>
+        <p:nvPr/>
+      </p:nvGrpSpPr>
+      <p:grpSpPr>
+        <a:xfrm>
+          <a:off x="0" y="0"/>
+          <a:ext cx="0" cy="0"/>
+          <a:chOff x="0" y="0"/>
+          <a:chExt cx="0" cy="0"/>
+        </a:xfrm>
+      </p:grpSpPr>
+      <p:sp>
+        <p:nvSpPr>
+          <p:cNvPr id="2" name="幻灯片图像占位符 1"/>
+          <p:cNvSpPr>
+            <a:spLocks noGrp="1" noRot="1" noChangeAspect="1"/>
+          </p:cNvSpPr>
+          <p:nvPr>
+            <p:ph type="sldImg"/>
+          </p:nvPr>
+        </p:nvSpPr>
+        <p:spPr/>
+      </p:sp>
+      <p:sp>
+        <p:nvSpPr>
+          <p:cNvPr id="3" name="备注占位符 2"/>
+          <p:cNvSpPr>
+            <a:spLocks noGrp="1"/>
+          </p:cNvSpPr>
+          <p:nvPr>
+            <p:ph type="body" idx="1"/>
+          </p:nvPr>
+        </p:nvSpPr>
+        <p:spPr/>
+        <p:txBody>
+          <a:bodyPr/>
+          <a:lstStyle/>
+          <a:p>
+            <a:endParaRPr lang="zh-CN" altLang="en-US" dirty="0"/>
+          </a:p>
+        </p:txBody>
+      </p:sp>
+      <p:sp>
+        <p:nvSpPr>
+          <p:cNvPr id="4" name="灯片编号占位符 3"/>
+          <p:cNvSpPr>
+            <a:spLocks noGrp="1"/>
+          </p:cNvSpPr>
+          <p:nvPr>
+            <p:ph type="sldNum" sz="quarter" idx="5"/>
+          </p:nvPr>
+        </p:nvSpPr>
+        <p:spPr/>
+        <p:txBody>
+          <a:bodyPr/>
+          <a:lstStyle/>
+          <a:p>
+            <a:fld id="{D98AE775-6214-45BF-BBF7-B0DB67E7F379}" type="slidenum">
+              <a:rPr lang="zh-CN" altLang="en-US" smtClean="0"/>
+              <a:t>12</a:t>
+            </a:fld>
+            <a:endParaRPr lang="zh-CN" altLang="en-US"/>
+          </a:p>
+        </p:txBody>
+      </p:sp>
+    </p:spTree>
+    <p:extLst>
+      <p:ext uri="{BB962C8B-B14F-4D97-AF65-F5344CB8AC3E}">
+        <p14:creationId xmlns:p14="http://schemas.microsoft.com/office/powerpoint/2010/main" val="1482279402"/>
       </p:ext>
     </p:extLst>
   </p:cSld>
@@ -1461,7 +1594,7 @@
               <a:t>对于分类问题来说，自</a:t>
             </a:r>
             <a:r>
-              <a:rPr lang="en-US" altLang="zh-CN" sz="1200" b="0" i="0" kern="1200" dirty="0" err="1">
+              <a:rPr lang="en-US" altLang="zh-CN" sz="1200" b="0" i="0" kern="1200" dirty="0">
                 <a:solidFill>
                   <a:schemeClr val="tx1"/>
                 </a:solidFill>
@@ -1485,7 +1618,7 @@
               <a:t>出现以来，已经没有很大的突破，</a:t>
             </a:r>
             <a:r>
-              <a:rPr lang="en-US" altLang="zh-CN" sz="1200" b="0" i="0" kern="1200" dirty="0" err="1">
+              <a:rPr lang="en-US" altLang="zh-CN" sz="1200" b="0" i="0" kern="1200" dirty="0">
                 <a:solidFill>
                   <a:schemeClr val="tx1"/>
                 </a:solidFill>
@@ -1509,7 +1642,7 @@
               <a:t>的强大，学者们自然也就会考虑到</a:t>
             </a:r>
             <a:r>
-              <a:rPr lang="en-US" altLang="zh-CN" sz="1200" b="0" i="0" kern="1200" dirty="0" err="1">
+              <a:rPr lang="en-US" altLang="zh-CN" sz="1200" b="0" i="0" kern="1200" dirty="0">
                 <a:solidFill>
                   <a:schemeClr val="tx1"/>
                 </a:solidFill>
@@ -1581,7 +1714,7 @@
               <a:t>上主流的生成器和判别器架构确实变成了</a:t>
             </a:r>
             <a:r>
-              <a:rPr lang="en-US" altLang="zh-CN" sz="1200" b="0" i="0" kern="1200" dirty="0" err="1">
+              <a:rPr lang="en-US" altLang="zh-CN" sz="1200" b="0" i="0" kern="1200" dirty="0">
                 <a:solidFill>
                   <a:schemeClr val="tx1"/>
                 </a:solidFill>
@@ -2780,7 +2913,7 @@
           <a:lstStyle/>
           <a:p>
             <a:r>
-              <a:rPr lang="en-US" altLang="zh-CN" dirty="0" err="1"/>
+              <a:rPr lang="en-US" altLang="zh-CN" dirty="0"/>
               <a:t>BigGAN</a:t>
             </a:r>
             <a:r>
@@ -2966,6 +3099,28 @@
           </a:p>
           <a:p>
             <a:r>
+              <a:rPr lang="en-US" altLang="zh-CN" sz="1200" b="0" i="0" u="none" strike="noStrike" kern="1200" baseline="0" dirty="0">
+                <a:solidFill>
+                  <a:schemeClr val="tx1"/>
+                </a:solidFill>
+                <a:latin typeface="+mn-lt"/>
+                <a:ea typeface="+mn-ea"/>
+                <a:cs typeface="+mn-cs"/>
+              </a:rPr>
+              <a:t>BigGAN</a:t>
+            </a:r>
+            <a:r>
+              <a:rPr lang="zh-CN" altLang="en-US" sz="1200" b="0" i="0" u="none" strike="noStrike" kern="1200" baseline="0" dirty="0">
+                <a:solidFill>
+                  <a:schemeClr val="tx1"/>
+                </a:solidFill>
+                <a:latin typeface="+mn-lt"/>
+                <a:ea typeface="+mn-ea"/>
+                <a:cs typeface="+mn-cs"/>
+              </a:rPr>
+              <a:t>推测增大</a:t>
+            </a:r>
+            <a:r>
               <a:rPr lang="en-US" altLang="zh-CN" sz="1200" b="0" i="0" u="none" strike="noStrike" kern="1200" baseline="0" dirty="0" err="1">
                 <a:solidFill>
                   <a:schemeClr val="tx1"/>
@@ -2974,7 +3129,7 @@
                 <a:ea typeface="+mn-ea"/>
                 <a:cs typeface="+mn-cs"/>
               </a:rPr>
-              <a:t>BigGAN</a:t>
+              <a:t>batchsize</a:t>
             </a:r>
             <a:r>
               <a:rPr lang="zh-CN" altLang="en-US" sz="1200" b="0" i="0" u="none" strike="noStrike" kern="1200" baseline="0" dirty="0">
@@ -2985,18 +3140,43 @@
                 <a:ea typeface="+mn-ea"/>
                 <a:cs typeface="+mn-cs"/>
               </a:rPr>
-              <a:t>推测增大</a:t>
-            </a:r>
-            <a:r>
-              <a:rPr lang="en-US" altLang="zh-CN" sz="1200" b="0" i="0" u="none" strike="noStrike" kern="1200" baseline="0" dirty="0" err="1">
-                <a:solidFill>
-                  <a:schemeClr val="tx1"/>
-                </a:solidFill>
-                <a:latin typeface="+mn-lt"/>
-                <a:ea typeface="+mn-ea"/>
-                <a:cs typeface="+mn-cs"/>
-              </a:rPr>
-              <a:t>batchsize</a:t>
+              <a:t>为每批次覆盖更多内容的结果，文章</a:t>
+            </a:r>
+            <a:r>
+              <a:rPr lang="zh-CN" altLang="en-US" sz="1200" b="0" i="0" kern="1200" dirty="0">
+                <a:solidFill>
+                  <a:schemeClr val="tx1"/>
+                </a:solidFill>
+                <a:effectLst/>
+                <a:latin typeface="+mn-lt"/>
+                <a:ea typeface="+mn-ea"/>
+                <a:cs typeface="+mn-cs"/>
+              </a:rPr>
+              <a:t>提升到了</a:t>
+            </a:r>
+            <a:r>
+              <a:rPr lang="en-US" altLang="zh-CN" sz="1200" b="0" i="0" kern="1200" dirty="0">
+                <a:solidFill>
+                  <a:schemeClr val="tx1"/>
+                </a:solidFill>
+                <a:effectLst/>
+                <a:latin typeface="+mn-lt"/>
+                <a:ea typeface="+mn-ea"/>
+                <a:cs typeface="+mn-cs"/>
+              </a:rPr>
+              <a:t>2048</a:t>
+            </a:r>
+            <a:r>
+              <a:rPr lang="zh-CN" altLang="en-US" sz="1200" b="0" i="0" kern="1200" dirty="0">
+                <a:solidFill>
+                  <a:schemeClr val="tx1"/>
+                </a:solidFill>
+                <a:effectLst/>
+                <a:latin typeface="+mn-lt"/>
+                <a:ea typeface="+mn-ea"/>
+                <a:cs typeface="+mn-cs"/>
+              </a:rPr>
+              <a:t>，</a:t>
             </a:r>
             <a:r>
               <a:rPr lang="zh-CN" altLang="en-US" sz="1200" b="0" i="0" u="none" strike="noStrike" kern="1200" baseline="0" dirty="0">
@@ -3007,43 +3187,18 @@
                 <a:ea typeface="+mn-ea"/>
                 <a:cs typeface="+mn-cs"/>
               </a:rPr>
-              <a:t>为每批次覆盖更多内容的结果，文章</a:t>
-            </a:r>
-            <a:r>
-              <a:rPr lang="zh-CN" altLang="en-US" sz="1200" b="0" i="0" kern="1200" dirty="0">
-                <a:solidFill>
-                  <a:schemeClr val="tx1"/>
-                </a:solidFill>
-                <a:effectLst/>
-                <a:latin typeface="+mn-lt"/>
-                <a:ea typeface="+mn-ea"/>
-                <a:cs typeface="+mn-cs"/>
-              </a:rPr>
-              <a:t>提升到了</a:t>
-            </a:r>
-            <a:r>
-              <a:rPr lang="en-US" altLang="zh-CN" sz="1200" b="0" i="0" kern="1200" dirty="0">
-                <a:solidFill>
-                  <a:schemeClr val="tx1"/>
-                </a:solidFill>
-                <a:effectLst/>
-                <a:latin typeface="+mn-lt"/>
-                <a:ea typeface="+mn-ea"/>
-                <a:cs typeface="+mn-cs"/>
-              </a:rPr>
-              <a:t>2048</a:t>
-            </a:r>
-            <a:r>
-              <a:rPr lang="zh-CN" altLang="en-US" sz="1200" b="0" i="0" kern="1200" dirty="0">
-                <a:solidFill>
-                  <a:schemeClr val="tx1"/>
-                </a:solidFill>
-                <a:effectLst/>
-                <a:latin typeface="+mn-lt"/>
-                <a:ea typeface="+mn-ea"/>
-                <a:cs typeface="+mn-cs"/>
-              </a:rPr>
-              <a:t>，</a:t>
+              <a:t>为生成和判别两个网络提供更好的梯度。增大</a:t>
+            </a:r>
+            <a:r>
+              <a:rPr lang="en-US" altLang="zh-CN" sz="1200" b="0" i="0" u="none" strike="noStrike" kern="1200" baseline="0" dirty="0">
+                <a:solidFill>
+                  <a:schemeClr val="tx1"/>
+                </a:solidFill>
+                <a:latin typeface="+mn-lt"/>
+                <a:ea typeface="+mn-ea"/>
+                <a:cs typeface="+mn-cs"/>
+              </a:rPr>
+              <a:t>Batch size </a:t>
             </a:r>
             <a:r>
               <a:rPr lang="zh-CN" altLang="en-US" sz="1200" b="0" i="0" u="none" strike="noStrike" kern="1200" baseline="0" dirty="0">
@@ -3054,7 +3209,7 @@
                 <a:ea typeface="+mn-ea"/>
                 <a:cs typeface="+mn-cs"/>
               </a:rPr>
-              <a:t>为生成和判别两个网络提供更好的梯度。增大</a:t>
+              <a:t>、还会带来在更少的时间训练出更好性能的模型，但增大</a:t>
             </a:r>
             <a:r>
               <a:rPr lang="en-US" altLang="zh-CN" sz="1200" b="0" i="0" u="none" strike="noStrike" kern="1200" baseline="0" dirty="0">
@@ -3076,7 +3231,7 @@
                 <a:ea typeface="+mn-ea"/>
                 <a:cs typeface="+mn-cs"/>
               </a:rPr>
-              <a:t>、还会带来在更少的时间训练出更好性能的模型，但增大</a:t>
+              <a:t>也会使得模型在训练上稳定性下降。在实验上单提高</a:t>
             </a:r>
             <a:r>
               <a:rPr lang="en-US" altLang="zh-CN" sz="1200" b="0" i="0" u="none" strike="noStrike" kern="1200" baseline="0" dirty="0">
@@ -3098,32 +3253,10 @@
                 <a:ea typeface="+mn-ea"/>
                 <a:cs typeface="+mn-cs"/>
               </a:rPr>
-              <a:t>也会使得模型在训练上稳定性下降。在实验上单提高</a:t>
+              <a:t>还受到限制，</a:t>
             </a:r>
             <a:r>
               <a:rPr lang="en-US" altLang="zh-CN" sz="1200" b="0" i="0" u="none" strike="noStrike" kern="1200" baseline="0" dirty="0">
-                <a:solidFill>
-                  <a:schemeClr val="tx1"/>
-                </a:solidFill>
-                <a:latin typeface="+mn-lt"/>
-                <a:ea typeface="+mn-ea"/>
-                <a:cs typeface="+mn-cs"/>
-              </a:rPr>
-              <a:t>Batch size </a:t>
-            </a:r>
-            <a:r>
-              <a:rPr lang="zh-CN" altLang="en-US" sz="1200" b="0" i="0" u="none" strike="noStrike" kern="1200" baseline="0" dirty="0">
-                <a:solidFill>
-                  <a:schemeClr val="tx1"/>
-                </a:solidFill>
-                <a:latin typeface="+mn-lt"/>
-                <a:ea typeface="+mn-ea"/>
-                <a:cs typeface="+mn-cs"/>
-              </a:rPr>
-              <a:t>还受到限制，</a:t>
-            </a:r>
-            <a:r>
-              <a:rPr lang="en-US" altLang="zh-CN" sz="1200" b="0" i="0" u="none" strike="noStrike" kern="1200" baseline="0" dirty="0" err="1">
                 <a:solidFill>
                   <a:schemeClr val="tx1"/>
                 </a:solidFill>
@@ -3419,7 +3552,7 @@
             </a:r>
             <a:r>
               <a:rPr lang="en-US" altLang="zh-CN" dirty="0"/>
-              <a:t>FID </a:t>
+              <a:t>FID</a:t>
             </a:r>
             <a:r>
               <a:rPr lang="zh-CN" altLang="en-US" dirty="0"/>
@@ -3856,12 +3989,8 @@
               <a:t>图像的常用方法是在输入向量中添加随机噪声。然而，在许多情况下，由于上述特征的纠缠现象，控制噪 声的影响是很复杂的，从而会导致图像的其它特征受到影响。</a:t>
             </a:r>
             <a:r>
-              <a:rPr lang="en-US" altLang="zh-CN" dirty="0" err="1"/>
-              <a:t>StyleGAN</a:t>
-            </a:r>
-            <a:r>
               <a:rPr lang="en-US" altLang="zh-CN" dirty="0"/>
-              <a:t> </a:t>
+              <a:t>StyleGAN </a:t>
             </a:r>
             <a:r>
               <a:rPr lang="zh-CN" altLang="en-US" dirty="0"/>
@@ -4078,7 +4207,7 @@
           <a:p>
             <a:fld id="{05188C57-D4C9-4B8D-BD15-8C981D0B5A80}" type="datetimeFigureOut">
               <a:rPr lang="zh-CN" altLang="en-US" smtClean="0"/>
-              <a:t>2019/6/5</a:t>
+              <a:t>2019/6/11</a:t>
             </a:fld>
             <a:endParaRPr lang="zh-CN" altLang="en-US"/>
           </a:p>
@@ -4276,7 +4405,7 @@
           <a:p>
             <a:fld id="{05188C57-D4C9-4B8D-BD15-8C981D0B5A80}" type="datetimeFigureOut">
               <a:rPr lang="zh-CN" altLang="en-US" smtClean="0"/>
-              <a:t>2019/6/5</a:t>
+              <a:t>2019/6/11</a:t>
             </a:fld>
             <a:endParaRPr lang="zh-CN" altLang="en-US"/>
           </a:p>
@@ -4484,7 +4613,7 @@
           <a:p>
             <a:fld id="{05188C57-D4C9-4B8D-BD15-8C981D0B5A80}" type="datetimeFigureOut">
               <a:rPr lang="zh-CN" altLang="en-US" smtClean="0"/>
-              <a:t>2019/6/5</a:t>
+              <a:t>2019/6/11</a:t>
             </a:fld>
             <a:endParaRPr lang="zh-CN" altLang="en-US"/>
           </a:p>
@@ -4682,7 +4811,7 @@
           <a:p>
             <a:fld id="{05188C57-D4C9-4B8D-BD15-8C981D0B5A80}" type="datetimeFigureOut">
               <a:rPr lang="zh-CN" altLang="en-US" smtClean="0"/>
-              <a:t>2019/6/5</a:t>
+              <a:t>2019/6/11</a:t>
             </a:fld>
             <a:endParaRPr lang="zh-CN" altLang="en-US"/>
           </a:p>
@@ -4957,7 +5086,7 @@
           <a:p>
             <a:fld id="{05188C57-D4C9-4B8D-BD15-8C981D0B5A80}" type="datetimeFigureOut">
               <a:rPr lang="zh-CN" altLang="en-US" smtClean="0"/>
-              <a:t>2019/6/5</a:t>
+              <a:t>2019/6/11</a:t>
             </a:fld>
             <a:endParaRPr lang="zh-CN" altLang="en-US"/>
           </a:p>
@@ -5222,7 +5351,7 @@
           <a:p>
             <a:fld id="{05188C57-D4C9-4B8D-BD15-8C981D0B5A80}" type="datetimeFigureOut">
               <a:rPr lang="zh-CN" altLang="en-US" smtClean="0"/>
-              <a:t>2019/6/5</a:t>
+              <a:t>2019/6/11</a:t>
             </a:fld>
             <a:endParaRPr lang="zh-CN" altLang="en-US"/>
           </a:p>
@@ -5634,7 +5763,7 @@
           <a:p>
             <a:fld id="{05188C57-D4C9-4B8D-BD15-8C981D0B5A80}" type="datetimeFigureOut">
               <a:rPr lang="zh-CN" altLang="en-US" smtClean="0"/>
-              <a:t>2019/6/5</a:t>
+              <a:t>2019/6/11</a:t>
             </a:fld>
             <a:endParaRPr lang="zh-CN" altLang="en-US"/>
           </a:p>
@@ -5775,7 +5904,7 @@
           <a:p>
             <a:fld id="{05188C57-D4C9-4B8D-BD15-8C981D0B5A80}" type="datetimeFigureOut">
               <a:rPr lang="zh-CN" altLang="en-US" smtClean="0"/>
-              <a:t>2019/6/5</a:t>
+              <a:t>2019/6/11</a:t>
             </a:fld>
             <a:endParaRPr lang="zh-CN" altLang="en-US"/>
           </a:p>
@@ -5888,7 +6017,7 @@
           <a:p>
             <a:fld id="{05188C57-D4C9-4B8D-BD15-8C981D0B5A80}" type="datetimeFigureOut">
               <a:rPr lang="zh-CN" altLang="en-US" smtClean="0"/>
-              <a:t>2019/6/5</a:t>
+              <a:t>2019/6/11</a:t>
             </a:fld>
             <a:endParaRPr lang="zh-CN" altLang="en-US"/>
           </a:p>
@@ -6199,7 +6328,7 @@
           <a:p>
             <a:fld id="{05188C57-D4C9-4B8D-BD15-8C981D0B5A80}" type="datetimeFigureOut">
               <a:rPr lang="zh-CN" altLang="en-US" smtClean="0"/>
-              <a:t>2019/6/5</a:t>
+              <a:t>2019/6/11</a:t>
             </a:fld>
             <a:endParaRPr lang="zh-CN" altLang="en-US"/>
           </a:p>
@@ -6487,7 +6616,7 @@
           <a:p>
             <a:fld id="{05188C57-D4C9-4B8D-BD15-8C981D0B5A80}" type="datetimeFigureOut">
               <a:rPr lang="zh-CN" altLang="en-US" smtClean="0"/>
-              <a:t>2019/6/5</a:t>
+              <a:t>2019/6/11</a:t>
             </a:fld>
             <a:endParaRPr lang="zh-CN" altLang="en-US"/>
           </a:p>
@@ -6728,7 +6857,7 @@
           <a:p>
             <a:fld id="{05188C57-D4C9-4B8D-BD15-8C981D0B5A80}" type="datetimeFigureOut">
               <a:rPr lang="zh-CN" altLang="en-US" smtClean="0"/>
-              <a:t>2019/6/5</a:t>
+              <a:t>2019/6/11</a:t>
             </a:fld>
             <a:endParaRPr lang="zh-CN" altLang="en-US"/>
           </a:p>
@@ -7272,7 +7401,7 @@
           <a:lstStyle/>
           <a:p>
             <a:r>
-              <a:rPr lang="en-US" altLang="zh-CN" dirty="0" err="1">
+              <a:rPr lang="en-US" altLang="zh-CN" dirty="0">
                 <a:latin typeface="Times New Roman" panose="02020603050405020304" pitchFamily="18" charset="0"/>
                 <a:cs typeface="Times New Roman" panose="02020603050405020304" pitchFamily="18" charset="0"/>
               </a:rPr>
@@ -7953,7 +8082,7 @@
           <p:cNvPr id="2" name="标题 1">
             <a:extLst>
               <a:ext uri="{FF2B5EF4-FFF2-40B4-BE49-F238E27FC236}">
-                <a16:creationId xmlns:a16="http://schemas.microsoft.com/office/drawing/2014/main" id="{341EF104-7DF0-41B3-9455-018475D82593}"/>
+                <a16:creationId xmlns:a16="http://schemas.microsoft.com/office/drawing/2014/main" id="{158492B4-6FA4-4E1E-A0C7-74CA17A9BF73}"/>
               </a:ext>
             </a:extLst>
           </p:cNvPr>
@@ -7974,7 +8103,7 @@
                 <a:latin typeface="Times New Roman" panose="02020603050405020304" pitchFamily="18" charset="0"/>
                 <a:cs typeface="Times New Roman" panose="02020603050405020304" pitchFamily="18" charset="0"/>
               </a:rPr>
-              <a:t>Reference</a:t>
+              <a:t>Image-to-Image —— Pixel-to-Pixel </a:t>
             </a:r>
             <a:endParaRPr lang="zh-CN" altLang="en-US" dirty="0">
               <a:latin typeface="Times New Roman" panose="02020603050405020304" pitchFamily="18" charset="0"/>
@@ -7983,225 +8112,42 @@
           </a:p>
         </p:txBody>
       </p:sp>
-      <p:sp>
-        <p:nvSpPr>
-          <p:cNvPr id="3" name="内容占位符 2">
+      <p:pic>
+        <p:nvPicPr>
+          <p:cNvPr id="4" name="内容占位符 3">
             <a:extLst>
               <a:ext uri="{FF2B5EF4-FFF2-40B4-BE49-F238E27FC236}">
-                <a16:creationId xmlns:a16="http://schemas.microsoft.com/office/drawing/2014/main" id="{18E11946-15A5-489F-BBC1-EC0AF49AE80A}"/>
+                <a16:creationId xmlns:a16="http://schemas.microsoft.com/office/drawing/2014/main" id="{559A1314-4038-47A0-8B51-796F701C1D3F}"/>
               </a:ext>
             </a:extLst>
           </p:cNvPr>
-          <p:cNvSpPr>
-            <a:spLocks noGrp="1"/>
-          </p:cNvSpPr>
+          <p:cNvPicPr>
+            <a:picLocks noGrp="1" noChangeAspect="1"/>
+          </p:cNvPicPr>
           <p:nvPr>
             <p:ph idx="1"/>
           </p:nvPr>
-        </p:nvSpPr>
-        <p:spPr/>
-        <p:txBody>
-          <a:bodyPr>
-            <a:normAutofit fontScale="55000" lnSpcReduction="20000"/>
-          </a:bodyPr>
-          <a:lstStyle/>
-          <a:p>
-            <a:r>
-              <a:rPr lang="en-US" altLang="zh-CN" dirty="0"/>
-              <a:t>1. </a:t>
-            </a:r>
-            <a:r>
-              <a:rPr lang="en-US" altLang="zh-CN" dirty="0">
-                <a:hlinkClick r:id="rId2"/>
-              </a:rPr>
-              <a:t>http://speech.ee.ntu.edu.tw/~tlkagk/courses_MLDS18.html</a:t>
-            </a:r>
-            <a:endParaRPr lang="en-US" altLang="zh-CN" dirty="0"/>
-          </a:p>
-          <a:p>
-            <a:r>
-              <a:rPr lang="en-US" altLang="zh-CN" dirty="0"/>
-              <a:t>2. </a:t>
-            </a:r>
-            <a:r>
-              <a:rPr lang="en-US" altLang="zh-CN" dirty="0">
-                <a:hlinkClick r:id="rId3"/>
-              </a:rPr>
-              <a:t>https://distill.pub/2016/deconv-checkerboard/</a:t>
-            </a:r>
-            <a:endParaRPr lang="en-US" altLang="zh-CN" dirty="0"/>
-          </a:p>
-          <a:p>
-            <a:r>
-              <a:rPr lang="en-US" altLang="zh-CN" dirty="0"/>
-              <a:t>3. </a:t>
-            </a:r>
-            <a:r>
-              <a:rPr lang="en-US" altLang="zh-CN" dirty="0">
-                <a:hlinkClick r:id="rId4"/>
-              </a:rPr>
-              <a:t>https://kexue.fm/archives/6549</a:t>
-            </a:r>
-            <a:endParaRPr lang="en-US" altLang="zh-CN" dirty="0"/>
-          </a:p>
-          <a:p>
-            <a:r>
-              <a:rPr lang="en-US" altLang="zh-CN" dirty="0"/>
-              <a:t>4. </a:t>
-            </a:r>
-            <a:r>
-              <a:rPr lang="en-US" altLang="zh-CN" dirty="0">
-                <a:hlinkClick r:id="rId5"/>
-              </a:rPr>
-              <a:t>https://blog.csdn.net/mx54039q/article/details/80896054</a:t>
-            </a:r>
-            <a:endParaRPr lang="en-US" altLang="zh-CN" dirty="0"/>
-          </a:p>
-          <a:p>
-            <a:r>
-              <a:rPr lang="en-US" altLang="zh-CN" dirty="0"/>
-              <a:t>5. </a:t>
-            </a:r>
-            <a:r>
-              <a:rPr lang="en-US" altLang="zh-CN" dirty="0">
-                <a:hlinkClick r:id="rId6"/>
-              </a:rPr>
-              <a:t>https://arxiv.org/pdf/1605.05396.pdf</a:t>
-            </a:r>
-            <a:endParaRPr lang="en-US" altLang="zh-CN" dirty="0"/>
-          </a:p>
-          <a:p>
-            <a:r>
-              <a:rPr lang="en-US" altLang="zh-CN" dirty="0"/>
-              <a:t>6. </a:t>
-            </a:r>
-            <a:r>
-              <a:rPr lang="en-US" altLang="zh-CN" dirty="0">
-                <a:hlinkClick r:id="rId7"/>
-              </a:rPr>
-              <a:t> http://www.gwylab.com/note-gans.html</a:t>
-            </a:r>
-            <a:endParaRPr lang="en-US" altLang="zh-CN" dirty="0"/>
-          </a:p>
-          <a:p>
-            <a:r>
-              <a:rPr lang="en-US" altLang="zh-CN" dirty="0"/>
-              <a:t>7. </a:t>
-            </a:r>
-            <a:r>
-              <a:rPr lang="en-US" altLang="zh-CN" dirty="0">
-                <a:hlinkClick r:id="rId8"/>
-              </a:rPr>
-              <a:t>https://arxiv.org/pdf/1805.08318.pdf</a:t>
-            </a:r>
-            <a:endParaRPr lang="en-US" altLang="zh-CN" dirty="0"/>
-          </a:p>
-          <a:p>
-            <a:r>
-              <a:rPr lang="en-US" altLang="zh-CN" dirty="0"/>
-              <a:t>8. </a:t>
-            </a:r>
-            <a:r>
-              <a:rPr lang="en-US" altLang="zh-CN" dirty="0">
-                <a:hlinkClick r:id="rId9"/>
-              </a:rPr>
-              <a:t>https://arxiv.org/pdf/1812.04948.pdf</a:t>
-            </a:r>
-            <a:endParaRPr lang="en-US" altLang="zh-CN" dirty="0"/>
-          </a:p>
-          <a:p>
-            <a:r>
-              <a:rPr lang="en-US" altLang="zh-CN" dirty="0"/>
-              <a:t>9. </a:t>
-            </a:r>
-            <a:r>
-              <a:rPr lang="en-US" altLang="zh-CN" dirty="0">
-                <a:hlinkClick r:id="rId10"/>
-              </a:rPr>
-              <a:t>https://arxiv.org/pdf/1810.01365.pdf</a:t>
-            </a:r>
-            <a:endParaRPr lang="en-US" altLang="zh-CN" dirty="0"/>
-          </a:p>
-          <a:p>
-            <a:r>
-              <a:rPr lang="en-US" altLang="zh-CN" dirty="0"/>
-              <a:t>10. </a:t>
-            </a:r>
-            <a:r>
-              <a:rPr lang="en-US" altLang="zh-CN" dirty="0">
-                <a:hlinkClick r:id="rId11"/>
-              </a:rPr>
-              <a:t>https://arxiv.org/abs/1809.11096</a:t>
-            </a:r>
-            <a:endParaRPr lang="en-US" altLang="zh-CN" dirty="0"/>
-          </a:p>
-          <a:p>
-            <a:r>
-              <a:rPr lang="en-US" altLang="zh-CN" dirty="0"/>
-              <a:t>11. </a:t>
-            </a:r>
-            <a:r>
-              <a:rPr lang="en-US" altLang="zh-CN" dirty="0">
-                <a:hlinkClick r:id="rId12"/>
-              </a:rPr>
-              <a:t>https://arxiv.org/pdf/1710.10196.pdf</a:t>
-            </a:r>
-            <a:endParaRPr lang="en-US" altLang="zh-CN" dirty="0"/>
-          </a:p>
-          <a:p>
-            <a:r>
-              <a:rPr lang="en-US" altLang="zh-CN" dirty="0"/>
-              <a:t>12. </a:t>
-            </a:r>
-            <a:r>
-              <a:rPr lang="en-US" altLang="zh-CN" dirty="0">
-                <a:hlinkClick r:id="rId8"/>
-              </a:rPr>
-              <a:t>https://arxiv.org/pdf/1805.08318.pdf</a:t>
-            </a:r>
-            <a:endParaRPr lang="en-US" altLang="zh-CN" dirty="0"/>
-          </a:p>
-          <a:p>
-            <a:r>
-              <a:rPr lang="en-US" altLang="zh-CN" dirty="0"/>
-              <a:t>13.</a:t>
-            </a:r>
-            <a:r>
-              <a:rPr lang="en-US" altLang="zh-CN" dirty="0">
-                <a:hlinkClick r:id="rId13"/>
-              </a:rPr>
-              <a:t> https://arxiv.org/pdf/1511.06434.pdf</a:t>
-            </a:r>
-            <a:endParaRPr lang="en-US" altLang="zh-CN" dirty="0"/>
-          </a:p>
-          <a:p>
-            <a:r>
-              <a:rPr lang="en-US" altLang="zh-CN" dirty="0"/>
-              <a:t>14. </a:t>
-            </a:r>
-            <a:r>
-              <a:rPr lang="en-US" altLang="zh-CN" dirty="0">
-                <a:hlinkClick r:id="rId14"/>
-              </a:rPr>
-              <a:t>https://becominghuman.ai/understanding-and-building-generative-adversarial-networks-gans-8de7c1dc0e25</a:t>
-            </a:r>
-            <a:endParaRPr lang="en-US" altLang="zh-CN" dirty="0"/>
-          </a:p>
-          <a:p>
-            <a:endParaRPr lang="en-US" altLang="zh-CN" dirty="0"/>
-          </a:p>
-          <a:p>
-            <a:endParaRPr lang="en-US" altLang="zh-CN" dirty="0"/>
-          </a:p>
-          <a:p>
-            <a:endParaRPr lang="zh-CN" altLang="en-US" dirty="0"/>
-          </a:p>
-        </p:txBody>
-      </p:sp>
+        </p:nvPicPr>
+        <p:blipFill>
+          <a:blip r:embed="rId3"/>
+          <a:stretch>
+            <a:fillRect/>
+          </a:stretch>
+        </p:blipFill>
+        <p:spPr>
+          <a:xfrm>
+            <a:off x="632463" y="1804736"/>
+            <a:ext cx="11459303" cy="4138864"/>
+          </a:xfrm>
+          <a:prstGeom prst="rect">
+            <a:avLst/>
+          </a:prstGeom>
+        </p:spPr>
+      </p:pic>
     </p:spTree>
     <p:extLst>
       <p:ext uri="{BB962C8B-B14F-4D97-AF65-F5344CB8AC3E}">
-        <p14:creationId xmlns:p14="http://schemas.microsoft.com/office/powerpoint/2010/main" val="1411737035"/>
+        <p14:creationId xmlns:p14="http://schemas.microsoft.com/office/powerpoint/2010/main" val="1283670290"/>
       </p:ext>
     </p:extLst>
   </p:cSld>
@@ -8233,7 +8179,7 @@
           <p:cNvPr id="2" name="标题 1">
             <a:extLst>
               <a:ext uri="{FF2B5EF4-FFF2-40B4-BE49-F238E27FC236}">
-                <a16:creationId xmlns:a16="http://schemas.microsoft.com/office/drawing/2014/main" id="{E5779907-8268-4120-9B5B-AF3AB8D71A2E}"/>
+                <a16:creationId xmlns:a16="http://schemas.microsoft.com/office/drawing/2014/main" id="{36E22399-28BB-4F70-AB44-A416A1578B5F}"/>
               </a:ext>
             </a:extLst>
           </p:cNvPr>
@@ -8254,7 +8200,7 @@
                 <a:latin typeface="Times New Roman" panose="02020603050405020304" pitchFamily="18" charset="0"/>
                 <a:cs typeface="Times New Roman" panose="02020603050405020304" pitchFamily="18" charset="0"/>
               </a:rPr>
-              <a:t>Text-to-Image</a:t>
+              <a:t>Image-to-Image —— CycleGAN</a:t>
             </a:r>
             <a:endParaRPr lang="zh-CN" altLang="en-US" dirty="0">
               <a:latin typeface="Times New Roman" panose="02020603050405020304" pitchFamily="18" charset="0"/>
@@ -8265,19 +8211,17 @@
       </p:sp>
       <p:pic>
         <p:nvPicPr>
-          <p:cNvPr id="6" name="内容占位符 5">
+          <p:cNvPr id="3" name="图片 2">
             <a:extLst>
               <a:ext uri="{FF2B5EF4-FFF2-40B4-BE49-F238E27FC236}">
-                <a16:creationId xmlns:a16="http://schemas.microsoft.com/office/drawing/2014/main" id="{C07EB267-BAAF-4BBA-976D-0792E913F247}"/>
+                <a16:creationId xmlns:a16="http://schemas.microsoft.com/office/drawing/2014/main" id="{57FF6151-67AA-41FB-95F4-CB13EB6B3E21}"/>
               </a:ext>
             </a:extLst>
           </p:cNvPr>
           <p:cNvPicPr>
-            <a:picLocks noGrp="1" noChangeAspect="1"/>
+            <a:picLocks noChangeAspect="1"/>
           </p:cNvPicPr>
-          <p:nvPr>
-            <p:ph idx="1"/>
-          </p:nvPr>
+          <p:nvPr/>
         </p:nvPicPr>
         <p:blipFill>
           <a:blip r:embed="rId2"/>
@@ -8287,8 +8231,40 @@
         </p:blipFill>
         <p:spPr>
           <a:xfrm>
-            <a:off x="0" y="1861851"/>
-            <a:ext cx="12220410" cy="3323442"/>
+            <a:off x="1751699" y="1430668"/>
+            <a:ext cx="8688600" cy="5427332"/>
+          </a:xfrm>
+          <a:prstGeom prst="rect">
+            <a:avLst/>
+          </a:prstGeom>
+        </p:spPr>
+      </p:pic>
+      <p:pic>
+        <p:nvPicPr>
+          <p:cNvPr id="4" name="内容占位符 3">
+            <a:extLst>
+              <a:ext uri="{FF2B5EF4-FFF2-40B4-BE49-F238E27FC236}">
+                <a16:creationId xmlns:a16="http://schemas.microsoft.com/office/drawing/2014/main" id="{85786EE5-7BC6-45EB-9313-9C3F94004965}"/>
+              </a:ext>
+            </a:extLst>
+          </p:cNvPr>
+          <p:cNvPicPr>
+            <a:picLocks noGrp="1" noChangeAspect="1"/>
+          </p:cNvPicPr>
+          <p:nvPr>
+            <p:ph idx="1"/>
+          </p:nvPr>
+        </p:nvPicPr>
+        <p:blipFill>
+          <a:blip r:embed="rId3"/>
+          <a:stretch>
+            <a:fillRect/>
+          </a:stretch>
+        </p:blipFill>
+        <p:spPr>
+          <a:xfrm>
+            <a:off x="0" y="1587079"/>
+            <a:ext cx="12192000" cy="4512932"/>
           </a:xfrm>
           <a:prstGeom prst="rect">
             <a:avLst/>
@@ -8298,13 +8274,96 @@
     </p:spTree>
     <p:extLst>
       <p:ext uri="{BB962C8B-B14F-4D97-AF65-F5344CB8AC3E}">
-        <p14:creationId xmlns:p14="http://schemas.microsoft.com/office/powerpoint/2010/main" val="2128208322"/>
+        <p14:creationId xmlns:p14="http://schemas.microsoft.com/office/powerpoint/2010/main" val="2162428837"/>
       </p:ext>
     </p:extLst>
   </p:cSld>
   <p:clrMapOvr>
     <a:masterClrMapping/>
   </p:clrMapOvr>
+  <p:timing>
+    <p:tnLst>
+      <p:par>
+        <p:cTn id="1" dur="indefinite" restart="never" nodeType="tmRoot">
+          <p:childTnLst>
+            <p:seq concurrent="1" nextAc="seek">
+              <p:cTn id="2" dur="indefinite" nodeType="mainSeq">
+                <p:childTnLst>
+                  <p:par>
+                    <p:cTn id="3" fill="hold">
+                      <p:stCondLst>
+                        <p:cond delay="indefinite"/>
+                      </p:stCondLst>
+                      <p:childTnLst>
+                        <p:par>
+                          <p:cTn id="4" fill="hold">
+                            <p:stCondLst>
+                              <p:cond delay="0"/>
+                            </p:stCondLst>
+                            <p:childTnLst>
+                              <p:par>
+                                <p:cTn id="5" presetID="22" presetClass="entr" presetSubtype="4" fill="hold" nodeType="clickEffect">
+                                  <p:stCondLst>
+                                    <p:cond delay="0"/>
+                                  </p:stCondLst>
+                                  <p:childTnLst>
+                                    <p:set>
+                                      <p:cBhvr>
+                                        <p:cTn id="6" dur="1" fill="hold">
+                                          <p:stCondLst>
+                                            <p:cond delay="0"/>
+                                          </p:stCondLst>
+                                        </p:cTn>
+                                        <p:tgtEl>
+                                          <p:spTgt spid="4"/>
+                                        </p:tgtEl>
+                                        <p:attrNameLst>
+                                          <p:attrName>style.visibility</p:attrName>
+                                        </p:attrNameLst>
+                                      </p:cBhvr>
+                                      <p:to>
+                                        <p:strVal val="visible"/>
+                                      </p:to>
+                                    </p:set>
+                                    <p:animEffect transition="in" filter="wipe(down)">
+                                      <p:cBhvr>
+                                        <p:cTn id="7" dur="500"/>
+                                        <p:tgtEl>
+                                          <p:spTgt spid="4"/>
+                                        </p:tgtEl>
+                                      </p:cBhvr>
+                                    </p:animEffect>
+                                  </p:childTnLst>
+                                </p:cTn>
+                              </p:par>
+                            </p:childTnLst>
+                          </p:cTn>
+                        </p:par>
+                      </p:childTnLst>
+                    </p:cTn>
+                  </p:par>
+                </p:childTnLst>
+              </p:cTn>
+              <p:prevCondLst>
+                <p:cond evt="onPrev" delay="0">
+                  <p:tgtEl>
+                    <p:sldTgt/>
+                  </p:tgtEl>
+                </p:cond>
+              </p:prevCondLst>
+              <p:nextCondLst>
+                <p:cond evt="onNext" delay="0">
+                  <p:tgtEl>
+                    <p:sldTgt/>
+                  </p:tgtEl>
+                </p:cond>
+              </p:nextCondLst>
+            </p:seq>
+          </p:childTnLst>
+        </p:cTn>
+      </p:par>
+    </p:tnLst>
+  </p:timing>
 </p:sld>
 </file>
 
@@ -8330,7 +8389,7 @@
           <p:cNvPr id="2" name="标题 1">
             <a:extLst>
               <a:ext uri="{FF2B5EF4-FFF2-40B4-BE49-F238E27FC236}">
-                <a16:creationId xmlns:a16="http://schemas.microsoft.com/office/drawing/2014/main" id="{158492B4-6FA4-4E1E-A0C7-74CA17A9BF73}"/>
+                <a16:creationId xmlns:a16="http://schemas.microsoft.com/office/drawing/2014/main" id="{15F8458A-6659-4174-9404-41FACB6A5CB9}"/>
               </a:ext>
             </a:extLst>
           </p:cNvPr>
@@ -8351,50 +8410,167 @@
                 <a:latin typeface="Times New Roman" panose="02020603050405020304" pitchFamily="18" charset="0"/>
                 <a:cs typeface="Times New Roman" panose="02020603050405020304" pitchFamily="18" charset="0"/>
               </a:rPr>
-              <a:t>Image-to-Image </a:t>
-            </a:r>
-            <a:endParaRPr lang="zh-CN" altLang="en-US" dirty="0">
-              <a:latin typeface="Times New Roman" panose="02020603050405020304" pitchFamily="18" charset="0"/>
-              <a:cs typeface="Times New Roman" panose="02020603050405020304" pitchFamily="18" charset="0"/>
-            </a:endParaRPr>
+              <a:t>Image-to-Image —— StarGAN</a:t>
+            </a:r>
+            <a:endParaRPr lang="zh-CN" altLang="en-US" dirty="0"/>
           </a:p>
         </p:txBody>
       </p:sp>
-      <p:sp>
-        <p:nvSpPr>
-          <p:cNvPr id="3" name="内容占位符 2">
+      <p:pic>
+        <p:nvPicPr>
+          <p:cNvPr id="5" name="图片 4">
             <a:extLst>
               <a:ext uri="{FF2B5EF4-FFF2-40B4-BE49-F238E27FC236}">
-                <a16:creationId xmlns:a16="http://schemas.microsoft.com/office/drawing/2014/main" id="{B40505F7-D2B6-410F-A1B0-76F27CF5FB60}"/>
+                <a16:creationId xmlns:a16="http://schemas.microsoft.com/office/drawing/2014/main" id="{8C53C260-E5DD-4761-BD18-D2E7E3051082}"/>
               </a:ext>
             </a:extLst>
           </p:cNvPr>
-          <p:cNvSpPr>
-            <a:spLocks noGrp="1"/>
-          </p:cNvSpPr>
+          <p:cNvPicPr>
+            <a:picLocks noChangeAspect="1"/>
+          </p:cNvPicPr>
+          <p:nvPr/>
+        </p:nvPicPr>
+        <p:blipFill>
+          <a:blip r:embed="rId2"/>
+          <a:stretch>
+            <a:fillRect/>
+          </a:stretch>
+        </p:blipFill>
+        <p:spPr>
+          <a:xfrm>
+            <a:off x="1781693" y="2131032"/>
+            <a:ext cx="8421086" cy="4361843"/>
+          </a:xfrm>
+          <a:prstGeom prst="rect">
+            <a:avLst/>
+          </a:prstGeom>
+        </p:spPr>
+      </p:pic>
+      <p:pic>
+        <p:nvPicPr>
+          <p:cNvPr id="4" name="内容占位符 3">
+            <a:extLst>
+              <a:ext uri="{FF2B5EF4-FFF2-40B4-BE49-F238E27FC236}">
+                <a16:creationId xmlns:a16="http://schemas.microsoft.com/office/drawing/2014/main" id="{08E263FF-B51A-45C0-BF48-3085CA2D9D3A}"/>
+              </a:ext>
+            </a:extLst>
+          </p:cNvPr>
+          <p:cNvPicPr>
+            <a:picLocks noGrp="1" noChangeAspect="1"/>
+          </p:cNvPicPr>
           <p:nvPr>
             <p:ph idx="1"/>
           </p:nvPr>
-        </p:nvSpPr>
-        <p:spPr/>
-        <p:txBody>
-          <a:bodyPr/>
-          <a:lstStyle/>
-          <a:p>
-            <a:endParaRPr lang="zh-CN" altLang="en-US" dirty="0"/>
-          </a:p>
-        </p:txBody>
-      </p:sp>
+        </p:nvPicPr>
+        <p:blipFill>
+          <a:blip r:embed="rId3"/>
+          <a:stretch>
+            <a:fillRect/>
+          </a:stretch>
+        </p:blipFill>
+        <p:spPr>
+          <a:xfrm>
+            <a:off x="312347" y="1690688"/>
+            <a:ext cx="11567305" cy="4677899"/>
+          </a:xfrm>
+          <a:prstGeom prst="rect">
+            <a:avLst/>
+          </a:prstGeom>
+        </p:spPr>
+      </p:pic>
     </p:spTree>
     <p:extLst>
       <p:ext uri="{BB962C8B-B14F-4D97-AF65-F5344CB8AC3E}">
-        <p14:creationId xmlns:p14="http://schemas.microsoft.com/office/powerpoint/2010/main" val="1283670290"/>
+        <p14:creationId xmlns:p14="http://schemas.microsoft.com/office/powerpoint/2010/main" val="1851461695"/>
       </p:ext>
     </p:extLst>
   </p:cSld>
   <p:clrMapOvr>
     <a:masterClrMapping/>
   </p:clrMapOvr>
+  <p:timing>
+    <p:tnLst>
+      <p:par>
+        <p:cTn id="1" dur="indefinite" restart="never" nodeType="tmRoot">
+          <p:childTnLst>
+            <p:seq concurrent="1" nextAc="seek">
+              <p:cTn id="2" dur="indefinite" nodeType="mainSeq">
+                <p:childTnLst>
+                  <p:par>
+                    <p:cTn id="3" fill="hold">
+                      <p:stCondLst>
+                        <p:cond delay="indefinite"/>
+                      </p:stCondLst>
+                      <p:childTnLst>
+                        <p:par>
+                          <p:cTn id="4" fill="hold">
+                            <p:stCondLst>
+                              <p:cond delay="0"/>
+                            </p:stCondLst>
+                            <p:childTnLst>
+                              <p:par>
+                                <p:cTn id="5" presetID="16" presetClass="entr" presetSubtype="21" fill="hold" nodeType="clickEffect">
+                                  <p:stCondLst>
+                                    <p:cond delay="0"/>
+                                  </p:stCondLst>
+                                  <p:childTnLst>
+                                    <p:set>
+                                      <p:cBhvr>
+                                        <p:cTn id="6" dur="1" fill="hold">
+                                          <p:stCondLst>
+                                            <p:cond delay="0"/>
+                                          </p:stCondLst>
+                                        </p:cTn>
+                                        <p:tgtEl>
+                                          <p:spTgt spid="4"/>
+                                        </p:tgtEl>
+                                        <p:attrNameLst>
+                                          <p:attrName>style.visibility</p:attrName>
+                                        </p:attrNameLst>
+                                      </p:cBhvr>
+                                      <p:to>
+                                        <p:strVal val="visible"/>
+                                      </p:to>
+                                    </p:set>
+                                    <p:animEffect transition="in" filter="barn(inVertical)">
+                                      <p:cBhvr>
+                                        <p:cTn id="7" dur="500"/>
+                                        <p:tgtEl>
+                                          <p:spTgt spid="4"/>
+                                        </p:tgtEl>
+                                      </p:cBhvr>
+                                    </p:animEffect>
+                                  </p:childTnLst>
+                                </p:cTn>
+                              </p:par>
+                            </p:childTnLst>
+                          </p:cTn>
+                        </p:par>
+                      </p:childTnLst>
+                    </p:cTn>
+                  </p:par>
+                </p:childTnLst>
+              </p:cTn>
+              <p:prevCondLst>
+                <p:cond evt="onPrev" delay="0">
+                  <p:tgtEl>
+                    <p:sldTgt/>
+                  </p:tgtEl>
+                </p:cond>
+              </p:prevCondLst>
+              <p:nextCondLst>
+                <p:cond evt="onNext" delay="0">
+                  <p:tgtEl>
+                    <p:sldTgt/>
+                  </p:tgtEl>
+                </p:cond>
+              </p:nextCondLst>
+            </p:seq>
+          </p:childTnLst>
+        </p:cTn>
+      </p:par>
+    </p:tnLst>
+  </p:timing>
 </p:sld>
 </file>
 
@@ -8420,7 +8596,7 @@
           <p:cNvPr id="2" name="标题 1">
             <a:extLst>
               <a:ext uri="{FF2B5EF4-FFF2-40B4-BE49-F238E27FC236}">
-                <a16:creationId xmlns:a16="http://schemas.microsoft.com/office/drawing/2014/main" id="{36E22399-28BB-4F70-AB44-A416A1578B5F}"/>
+                <a16:creationId xmlns:a16="http://schemas.microsoft.com/office/drawing/2014/main" id="{E5779907-8268-4120-9B5B-AF3AB8D71A2E}"/>
               </a:ext>
             </a:extLst>
           </p:cNvPr>
@@ -8437,11 +8613,11 @@
           <a:lstStyle/>
           <a:p>
             <a:r>
-              <a:rPr lang="en-US" altLang="zh-CN" dirty="0" err="1">
+              <a:rPr lang="en-US" altLang="zh-CN" dirty="0">
                 <a:latin typeface="Times New Roman" panose="02020603050405020304" pitchFamily="18" charset="0"/>
                 <a:cs typeface="Times New Roman" panose="02020603050405020304" pitchFamily="18" charset="0"/>
               </a:rPr>
-              <a:t>CycleGAN</a:t>
+              <a:t>Text-to-Image</a:t>
             </a:r>
             <a:endParaRPr lang="zh-CN" altLang="en-US" dirty="0">
               <a:latin typeface="Times New Roman" panose="02020603050405020304" pitchFamily="18" charset="0"/>
@@ -8452,10 +8628,10 @@
       </p:sp>
       <p:pic>
         <p:nvPicPr>
-          <p:cNvPr id="4" name="内容占位符 3">
+          <p:cNvPr id="6" name="内容占位符 5">
             <a:extLst>
               <a:ext uri="{FF2B5EF4-FFF2-40B4-BE49-F238E27FC236}">
-                <a16:creationId xmlns:a16="http://schemas.microsoft.com/office/drawing/2014/main" id="{85786EE5-7BC6-45EB-9313-9C3F94004965}"/>
+                <a16:creationId xmlns:a16="http://schemas.microsoft.com/office/drawing/2014/main" id="{C07EB267-BAAF-4BBA-976D-0792E913F247}"/>
               </a:ext>
             </a:extLst>
           </p:cNvPr>
@@ -8474,8 +8650,8 @@
         </p:blipFill>
         <p:spPr>
           <a:xfrm>
-            <a:off x="93574" y="1727277"/>
-            <a:ext cx="12004851" cy="3161841"/>
+            <a:off x="56147" y="1912149"/>
+            <a:ext cx="12079705" cy="3285176"/>
           </a:xfrm>
           <a:prstGeom prst="rect">
             <a:avLst/>
@@ -8485,7 +8661,487 @@
     </p:spTree>
     <p:extLst>
       <p:ext uri="{BB962C8B-B14F-4D97-AF65-F5344CB8AC3E}">
-        <p14:creationId xmlns:p14="http://schemas.microsoft.com/office/powerpoint/2010/main" val="2162428837"/>
+        <p14:creationId xmlns:p14="http://schemas.microsoft.com/office/powerpoint/2010/main" val="2128208322"/>
+      </p:ext>
+    </p:extLst>
+  </p:cSld>
+  <p:clrMapOvr>
+    <a:masterClrMapping/>
+  </p:clrMapOvr>
+</p:sld>
+</file>
+
+<file path=ppt/slides/slide16.xml><?xml version="1.0" encoding="utf-8"?>
+<p:sld xmlns:a="http://schemas.openxmlformats.org/drawingml/2006/main" xmlns:r="http://schemas.openxmlformats.org/officeDocument/2006/relationships" xmlns:p="http://schemas.openxmlformats.org/presentationml/2006/main">
+  <p:cSld>
+    <p:spTree>
+      <p:nvGrpSpPr>
+        <p:cNvPr id="1" name=""/>
+        <p:cNvGrpSpPr/>
+        <p:nvPr/>
+      </p:nvGrpSpPr>
+      <p:grpSpPr>
+        <a:xfrm>
+          <a:off x="0" y="0"/>
+          <a:ext cx="0" cy="0"/>
+          <a:chOff x="0" y="0"/>
+          <a:chExt cx="0" cy="0"/>
+        </a:xfrm>
+      </p:grpSpPr>
+      <p:sp>
+        <p:nvSpPr>
+          <p:cNvPr id="2" name="标题 1">
+            <a:extLst>
+              <a:ext uri="{FF2B5EF4-FFF2-40B4-BE49-F238E27FC236}">
+                <a16:creationId xmlns:a16="http://schemas.microsoft.com/office/drawing/2014/main" id="{D5C28853-AE1E-49F7-8597-81FE0BDD32DC}"/>
+              </a:ext>
+            </a:extLst>
+          </p:cNvPr>
+          <p:cNvSpPr>
+            <a:spLocks noGrp="1"/>
+          </p:cNvSpPr>
+          <p:nvPr>
+            <p:ph type="title"/>
+          </p:nvPr>
+        </p:nvSpPr>
+        <p:spPr/>
+        <p:txBody>
+          <a:bodyPr/>
+          <a:lstStyle/>
+          <a:p>
+            <a:r>
+              <a:rPr lang="en-US" altLang="zh-CN" dirty="0">
+                <a:latin typeface="Times New Roman" panose="02020603050405020304" pitchFamily="18" charset="0"/>
+                <a:cs typeface="Times New Roman" panose="02020603050405020304" pitchFamily="18" charset="0"/>
+              </a:rPr>
+              <a:t>O-GAN</a:t>
+            </a:r>
+            <a:endParaRPr lang="zh-CN" altLang="en-US" dirty="0">
+              <a:latin typeface="Times New Roman" panose="02020603050405020304" pitchFamily="18" charset="0"/>
+              <a:cs typeface="Times New Roman" panose="02020603050405020304" pitchFamily="18" charset="0"/>
+            </a:endParaRPr>
+          </a:p>
+        </p:txBody>
+      </p:sp>
+      <p:pic>
+        <p:nvPicPr>
+          <p:cNvPr id="4" name="内容占位符 3">
+            <a:extLst>
+              <a:ext uri="{FF2B5EF4-FFF2-40B4-BE49-F238E27FC236}">
+                <a16:creationId xmlns:a16="http://schemas.microsoft.com/office/drawing/2014/main" id="{FE5C8EC1-56AE-4286-85B8-877B49FCB468}"/>
+              </a:ext>
+            </a:extLst>
+          </p:cNvPr>
+          <p:cNvPicPr>
+            <a:picLocks noGrp="1" noChangeAspect="1"/>
+          </p:cNvPicPr>
+          <p:nvPr>
+            <p:ph idx="1"/>
+          </p:nvPr>
+        </p:nvPicPr>
+        <p:blipFill>
+          <a:blip r:embed="rId2"/>
+          <a:stretch>
+            <a:fillRect/>
+          </a:stretch>
+        </p:blipFill>
+        <p:spPr>
+          <a:xfrm>
+            <a:off x="838200" y="1937085"/>
+            <a:ext cx="11220303" cy="1636294"/>
+          </a:xfrm>
+          <a:prstGeom prst="rect">
+            <a:avLst/>
+          </a:prstGeom>
+        </p:spPr>
+      </p:pic>
+      <p:pic>
+        <p:nvPicPr>
+          <p:cNvPr id="5" name="图片 4">
+            <a:extLst>
+              <a:ext uri="{FF2B5EF4-FFF2-40B4-BE49-F238E27FC236}">
+                <a16:creationId xmlns:a16="http://schemas.microsoft.com/office/drawing/2014/main" id="{4B73E136-A5EE-43BA-9ECA-5EF8D2E13575}"/>
+              </a:ext>
+            </a:extLst>
+          </p:cNvPr>
+          <p:cNvPicPr>
+            <a:picLocks noChangeAspect="1"/>
+          </p:cNvPicPr>
+          <p:nvPr/>
+        </p:nvPicPr>
+        <p:blipFill>
+          <a:blip r:embed="rId3"/>
+          <a:stretch>
+            <a:fillRect/>
+          </a:stretch>
+        </p:blipFill>
+        <p:spPr>
+          <a:xfrm>
+            <a:off x="1764943" y="4379496"/>
+            <a:ext cx="9374079" cy="1293254"/>
+          </a:xfrm>
+          <a:prstGeom prst="rect">
+            <a:avLst/>
+          </a:prstGeom>
+        </p:spPr>
+      </p:pic>
+    </p:spTree>
+    <p:extLst>
+      <p:ext uri="{BB962C8B-B14F-4D97-AF65-F5344CB8AC3E}">
+        <p14:creationId xmlns:p14="http://schemas.microsoft.com/office/powerpoint/2010/main" val="3311312126"/>
+      </p:ext>
+    </p:extLst>
+  </p:cSld>
+  <p:clrMapOvr>
+    <a:masterClrMapping/>
+  </p:clrMapOvr>
+</p:sld>
+</file>
+
+<file path=ppt/slides/slide17.xml><?xml version="1.0" encoding="utf-8"?>
+<p:sld xmlns:a="http://schemas.openxmlformats.org/drawingml/2006/main" xmlns:r="http://schemas.openxmlformats.org/officeDocument/2006/relationships" xmlns:p="http://schemas.openxmlformats.org/presentationml/2006/main">
+  <p:cSld>
+    <p:spTree>
+      <p:nvGrpSpPr>
+        <p:cNvPr id="1" name=""/>
+        <p:cNvGrpSpPr/>
+        <p:nvPr/>
+      </p:nvGrpSpPr>
+      <p:grpSpPr>
+        <a:xfrm>
+          <a:off x="0" y="0"/>
+          <a:ext cx="0" cy="0"/>
+          <a:chOff x="0" y="0"/>
+          <a:chExt cx="0" cy="0"/>
+        </a:xfrm>
+      </p:grpSpPr>
+      <p:sp>
+        <p:nvSpPr>
+          <p:cNvPr id="2" name="标题 1">
+            <a:extLst>
+              <a:ext uri="{FF2B5EF4-FFF2-40B4-BE49-F238E27FC236}">
+                <a16:creationId xmlns:a16="http://schemas.microsoft.com/office/drawing/2014/main" id="{341EF104-7DF0-41B3-9455-018475D82593}"/>
+              </a:ext>
+            </a:extLst>
+          </p:cNvPr>
+          <p:cNvSpPr>
+            <a:spLocks noGrp="1"/>
+          </p:cNvSpPr>
+          <p:nvPr>
+            <p:ph type="title"/>
+          </p:nvPr>
+        </p:nvSpPr>
+        <p:spPr/>
+        <p:txBody>
+          <a:bodyPr/>
+          <a:lstStyle/>
+          <a:p>
+            <a:r>
+              <a:rPr lang="en-US" altLang="zh-CN" dirty="0">
+                <a:latin typeface="Times New Roman" panose="02020603050405020304" pitchFamily="18" charset="0"/>
+                <a:cs typeface="Times New Roman" panose="02020603050405020304" pitchFamily="18" charset="0"/>
+              </a:rPr>
+              <a:t>Reference</a:t>
+            </a:r>
+            <a:endParaRPr lang="zh-CN" altLang="en-US" dirty="0">
+              <a:latin typeface="Times New Roman" panose="02020603050405020304" pitchFamily="18" charset="0"/>
+              <a:cs typeface="Times New Roman" panose="02020603050405020304" pitchFamily="18" charset="0"/>
+            </a:endParaRPr>
+          </a:p>
+        </p:txBody>
+      </p:sp>
+      <p:sp>
+        <p:nvSpPr>
+          <p:cNvPr id="3" name="内容占位符 2">
+            <a:extLst>
+              <a:ext uri="{FF2B5EF4-FFF2-40B4-BE49-F238E27FC236}">
+                <a16:creationId xmlns:a16="http://schemas.microsoft.com/office/drawing/2014/main" id="{18E11946-15A5-489F-BBC1-EC0AF49AE80A}"/>
+              </a:ext>
+            </a:extLst>
+          </p:cNvPr>
+          <p:cNvSpPr>
+            <a:spLocks noGrp="1"/>
+          </p:cNvSpPr>
+          <p:nvPr>
+            <p:ph idx="1"/>
+          </p:nvPr>
+        </p:nvSpPr>
+        <p:spPr>
+          <a:xfrm>
+            <a:off x="838199" y="1825624"/>
+            <a:ext cx="11157285" cy="5200817"/>
+          </a:xfrm>
+        </p:spPr>
+        <p:txBody>
+          <a:bodyPr>
+            <a:normAutofit fontScale="47500" lnSpcReduction="20000"/>
+          </a:bodyPr>
+          <a:lstStyle/>
+          <a:p>
+            <a:r>
+              <a:rPr lang="en-US" altLang="zh-CN" dirty="0"/>
+              <a:t>1. </a:t>
+            </a:r>
+            <a:r>
+              <a:rPr lang="en-US" altLang="zh-CN" dirty="0">
+                <a:hlinkClick r:id="rId2"/>
+              </a:rPr>
+              <a:t>http://speech.ee.ntu.edu.tw/~tlkagk/courses_MLDS18.html</a:t>
+            </a:r>
+            <a:endParaRPr lang="en-US" altLang="zh-CN" dirty="0"/>
+          </a:p>
+          <a:p>
+            <a:r>
+              <a:rPr lang="en-US" altLang="zh-CN" dirty="0"/>
+              <a:t>2. </a:t>
+            </a:r>
+            <a:r>
+              <a:rPr lang="en-US" altLang="zh-CN" dirty="0">
+                <a:hlinkClick r:id="rId3"/>
+              </a:rPr>
+              <a:t>https://distill.pub/2016/deconv-checkerboard/</a:t>
+            </a:r>
+            <a:endParaRPr lang="en-US" altLang="zh-CN" dirty="0"/>
+          </a:p>
+          <a:p>
+            <a:r>
+              <a:rPr lang="en-US" altLang="zh-CN" dirty="0"/>
+              <a:t>3. </a:t>
+            </a:r>
+            <a:r>
+              <a:rPr lang="en-US" altLang="zh-CN" dirty="0">
+                <a:hlinkClick r:id="rId4"/>
+              </a:rPr>
+              <a:t>https://kexue.fm/archives/6549</a:t>
+            </a:r>
+            <a:endParaRPr lang="en-US" altLang="zh-CN" dirty="0"/>
+          </a:p>
+          <a:p>
+            <a:r>
+              <a:rPr lang="en-US" altLang="zh-CN" dirty="0"/>
+              <a:t>4. </a:t>
+            </a:r>
+            <a:r>
+              <a:rPr lang="en-US" altLang="zh-CN" dirty="0">
+                <a:hlinkClick r:id="rId5"/>
+              </a:rPr>
+              <a:t>https://blog.csdn.net/mx54039q/article/details/80896054</a:t>
+            </a:r>
+            <a:endParaRPr lang="en-US" altLang="zh-CN" dirty="0"/>
+          </a:p>
+          <a:p>
+            <a:r>
+              <a:rPr lang="en-US" altLang="zh-CN" dirty="0"/>
+              <a:t>5. </a:t>
+            </a:r>
+            <a:r>
+              <a:rPr lang="en-US" altLang="zh-CN" dirty="0">
+                <a:hlinkClick r:id="rId6"/>
+              </a:rPr>
+              <a:t>https://arxiv.org/pdf/1605.05396.pdf</a:t>
+            </a:r>
+            <a:endParaRPr lang="en-US" altLang="zh-CN" dirty="0"/>
+          </a:p>
+          <a:p>
+            <a:r>
+              <a:rPr lang="en-US" altLang="zh-CN" dirty="0"/>
+              <a:t>6. </a:t>
+            </a:r>
+            <a:r>
+              <a:rPr lang="en-US" altLang="zh-CN" dirty="0">
+                <a:hlinkClick r:id="rId7"/>
+              </a:rPr>
+              <a:t> http://www.gwylab.com/note-gans.html</a:t>
+            </a:r>
+            <a:endParaRPr lang="en-US" altLang="zh-CN" dirty="0"/>
+          </a:p>
+          <a:p>
+            <a:r>
+              <a:rPr lang="en-US" altLang="zh-CN" dirty="0"/>
+              <a:t>7. </a:t>
+            </a:r>
+            <a:r>
+              <a:rPr lang="en-US" altLang="zh-CN" dirty="0">
+                <a:hlinkClick r:id="rId8"/>
+              </a:rPr>
+              <a:t>https://arxiv.org/pdf/1805.08318.pdf</a:t>
+            </a:r>
+            <a:endParaRPr lang="en-US" altLang="zh-CN" dirty="0"/>
+          </a:p>
+          <a:p>
+            <a:r>
+              <a:rPr lang="en-US" altLang="zh-CN" dirty="0"/>
+              <a:t>8. </a:t>
+            </a:r>
+            <a:r>
+              <a:rPr lang="en-US" altLang="zh-CN" dirty="0">
+                <a:hlinkClick r:id="rId9"/>
+              </a:rPr>
+              <a:t>https://arxiv.org/pdf/1812.04948.pdf</a:t>
+            </a:r>
+            <a:endParaRPr lang="en-US" altLang="zh-CN" dirty="0"/>
+          </a:p>
+          <a:p>
+            <a:r>
+              <a:rPr lang="en-US" altLang="zh-CN" dirty="0"/>
+              <a:t>9. </a:t>
+            </a:r>
+            <a:r>
+              <a:rPr lang="en-US" altLang="zh-CN" dirty="0">
+                <a:hlinkClick r:id="rId10"/>
+              </a:rPr>
+              <a:t>https://arxiv.org/pdf/1810.01365.pdf</a:t>
+            </a:r>
+            <a:endParaRPr lang="en-US" altLang="zh-CN" dirty="0"/>
+          </a:p>
+          <a:p>
+            <a:r>
+              <a:rPr lang="en-US" altLang="zh-CN" dirty="0"/>
+              <a:t>10. </a:t>
+            </a:r>
+            <a:r>
+              <a:rPr lang="en-US" altLang="zh-CN" dirty="0">
+                <a:hlinkClick r:id="rId11"/>
+              </a:rPr>
+              <a:t>https://arxiv.org/abs/1809.11096</a:t>
+            </a:r>
+            <a:endParaRPr lang="en-US" altLang="zh-CN" dirty="0"/>
+          </a:p>
+          <a:p>
+            <a:r>
+              <a:rPr lang="en-US" altLang="zh-CN" dirty="0"/>
+              <a:t>11. </a:t>
+            </a:r>
+            <a:r>
+              <a:rPr lang="en-US" altLang="zh-CN" dirty="0">
+                <a:hlinkClick r:id="rId12"/>
+              </a:rPr>
+              <a:t>https://arxiv.org/pdf/1710.10196.pdf</a:t>
+            </a:r>
+            <a:endParaRPr lang="en-US" altLang="zh-CN" dirty="0"/>
+          </a:p>
+          <a:p>
+            <a:r>
+              <a:rPr lang="en-US" altLang="zh-CN" dirty="0"/>
+              <a:t>12. </a:t>
+            </a:r>
+            <a:r>
+              <a:rPr lang="en-US" altLang="zh-CN" dirty="0">
+                <a:hlinkClick r:id="rId8"/>
+              </a:rPr>
+              <a:t>https://arxiv.org/pdf/1805.08318.pdf</a:t>
+            </a:r>
+            <a:endParaRPr lang="en-US" altLang="zh-CN" dirty="0"/>
+          </a:p>
+          <a:p>
+            <a:r>
+              <a:rPr lang="en-US" altLang="zh-CN" dirty="0"/>
+              <a:t>13.</a:t>
+            </a:r>
+            <a:r>
+              <a:rPr lang="en-US" altLang="zh-CN" dirty="0">
+                <a:hlinkClick r:id="rId13"/>
+              </a:rPr>
+              <a:t> https://arxiv.org/pdf/1511.06434.pdf</a:t>
+            </a:r>
+            <a:endParaRPr lang="en-US" altLang="zh-CN" dirty="0"/>
+          </a:p>
+          <a:p>
+            <a:r>
+              <a:rPr lang="en-US" altLang="zh-CN" dirty="0"/>
+              <a:t>14. </a:t>
+            </a:r>
+            <a:r>
+              <a:rPr lang="en-US" altLang="zh-CN" dirty="0">
+                <a:hlinkClick r:id="rId14"/>
+              </a:rPr>
+              <a:t>https://becominghuman.ai/understanding-and-building-generative-adversarial-networks-gans-8de7c1dc0e25</a:t>
+            </a:r>
+            <a:endParaRPr lang="en-US" altLang="zh-CN" dirty="0"/>
+          </a:p>
+          <a:p>
+            <a:r>
+              <a:rPr lang="en-US" altLang="zh-CN" dirty="0"/>
+              <a:t>15. </a:t>
+            </a:r>
+            <a:r>
+              <a:rPr lang="en-US" altLang="zh-CN" dirty="0">
+                <a:hlinkClick r:id="rId15"/>
+              </a:rPr>
+              <a:t>https://arxiv.org/pdf/1711.09020.pdf</a:t>
+            </a:r>
+            <a:endParaRPr lang="en-US" altLang="zh-CN" dirty="0"/>
+          </a:p>
+          <a:p>
+            <a:r>
+              <a:rPr lang="en-US" altLang="zh-CN" dirty="0"/>
+              <a:t>16.</a:t>
+            </a:r>
+            <a:r>
+              <a:rPr lang="en-US" altLang="zh-CN" dirty="0">
+                <a:hlinkClick r:id="rId16"/>
+              </a:rPr>
+              <a:t> https://arxiv.org/abs/1611.07004</a:t>
+            </a:r>
+            <a:endParaRPr lang="en-US" altLang="zh-CN" dirty="0"/>
+          </a:p>
+          <a:p>
+            <a:r>
+              <a:rPr lang="en-US" altLang="zh-CN" dirty="0"/>
+              <a:t>17. </a:t>
+            </a:r>
+            <a:r>
+              <a:rPr lang="en-US" altLang="zh-CN" dirty="0">
+                <a:hlinkClick r:id="rId17"/>
+              </a:rPr>
+              <a:t>https://arxiv.org/abs/1703.10593</a:t>
+            </a:r>
+            <a:endParaRPr lang="en-US" altLang="zh-CN" dirty="0"/>
+          </a:p>
+          <a:p>
+            <a:r>
+              <a:rPr lang="en-US" altLang="zh-CN" dirty="0"/>
+              <a:t>18. </a:t>
+            </a:r>
+            <a:r>
+              <a:rPr lang="en-US" altLang="zh-CN" dirty="0">
+                <a:hlinkClick r:id="rId18"/>
+              </a:rPr>
+              <a:t>https://kexue.fm/archives/6409</a:t>
+            </a:r>
+            <a:endParaRPr lang="en-US" altLang="zh-CN" dirty="0"/>
+          </a:p>
+          <a:p>
+            <a:r>
+              <a:rPr lang="en-US" altLang="zh-CN" dirty="0"/>
+              <a:t>19. </a:t>
+            </a:r>
+            <a:r>
+              <a:rPr lang="en-US" altLang="zh-CN" dirty="0">
+                <a:hlinkClick r:id="rId19"/>
+              </a:rPr>
+              <a:t>https://arxiv.org/abs/1903.01931</a:t>
+            </a:r>
+            <a:endParaRPr lang="en-US" altLang="zh-CN" dirty="0"/>
+          </a:p>
+          <a:p>
+            <a:endParaRPr lang="en-US" altLang="zh-CN" dirty="0"/>
+          </a:p>
+          <a:p>
+            <a:endParaRPr lang="en-US" altLang="zh-CN" dirty="0"/>
+          </a:p>
+          <a:p>
+            <a:endParaRPr lang="en-US" altLang="zh-CN" dirty="0"/>
+          </a:p>
+          <a:p>
+            <a:endParaRPr lang="zh-CN" altLang="en-US" dirty="0"/>
+          </a:p>
+        </p:txBody>
+      </p:sp>
+    </p:spTree>
+    <p:extLst>
+      <p:ext uri="{BB962C8B-B14F-4D97-AF65-F5344CB8AC3E}">
+        <p14:creationId xmlns:p14="http://schemas.microsoft.com/office/powerpoint/2010/main" val="1411737035"/>
       </p:ext>
     </p:extLst>
   </p:cSld>
@@ -8563,64 +9219,99 @@
             <p:ph idx="1"/>
           </p:nvPr>
         </p:nvSpPr>
-        <p:spPr/>
+        <p:spPr>
+          <a:xfrm>
+            <a:off x="838199" y="1825625"/>
+            <a:ext cx="10988843" cy="4667250"/>
+          </a:xfrm>
+        </p:spPr>
         <p:txBody>
           <a:bodyPr>
-            <a:normAutofit fontScale="85000" lnSpcReduction="20000"/>
+            <a:normAutofit fontScale="25000" lnSpcReduction="20000"/>
           </a:bodyPr>
           <a:lstStyle/>
           <a:p>
             <a:r>
-              <a:rPr lang="en-US" altLang="zh-CN" dirty="0"/>
+              <a:rPr lang="en-US" altLang="zh-CN" sz="9600" dirty="0"/>
               <a:t>GAN</a:t>
             </a:r>
           </a:p>
           <a:p>
             <a:r>
-              <a:rPr lang="en-US" altLang="zh-CN" dirty="0"/>
+              <a:rPr lang="en-US" altLang="zh-CN" sz="9600" dirty="0"/>
               <a:t>DCGAN</a:t>
             </a:r>
           </a:p>
           <a:p>
             <a:r>
-              <a:rPr lang="en-US" altLang="zh-CN" dirty="0" err="1"/>
-              <a:t>ResNet</a:t>
-            </a:r>
-            <a:r>
-              <a:rPr lang="en-US" altLang="zh-CN" dirty="0"/>
-              <a:t> + GAN</a:t>
-            </a:r>
-          </a:p>
-          <a:p>
-            <a:r>
-              <a:rPr lang="en-US" altLang="zh-CN" dirty="0"/>
+              <a:rPr lang="en-US" altLang="zh-CN" sz="9600" dirty="0"/>
+              <a:t>ResNet + GAN</a:t>
+            </a:r>
+          </a:p>
+          <a:p>
+            <a:r>
+              <a:rPr lang="en-US" altLang="zh-CN" sz="9600" dirty="0"/>
               <a:t>PGGAN</a:t>
             </a:r>
           </a:p>
           <a:p>
             <a:r>
-              <a:rPr lang="en-US" altLang="zh-CN" dirty="0"/>
+              <a:rPr lang="en-US" altLang="zh-CN" sz="9600" dirty="0"/>
               <a:t>SAGAN</a:t>
             </a:r>
           </a:p>
           <a:p>
             <a:r>
-              <a:rPr lang="en-US" altLang="zh-CN" dirty="0"/>
+              <a:rPr lang="en-US" altLang="zh-CN" sz="9600" dirty="0"/>
               <a:t>SMGAN</a:t>
             </a:r>
           </a:p>
           <a:p>
             <a:r>
-              <a:rPr lang="en-US" altLang="zh-CN" dirty="0" err="1"/>
+              <a:rPr lang="en-US" altLang="zh-CN" sz="9600" dirty="0"/>
               <a:t>BigGAN</a:t>
             </a:r>
+          </a:p>
+          <a:p>
+            <a:r>
+              <a:rPr lang="en-US" altLang="zh-CN" sz="9600" dirty="0"/>
+              <a:t>StyleGAN</a:t>
+            </a:r>
+          </a:p>
+          <a:p>
+            <a:r>
+              <a:rPr lang="en-US" altLang="zh-CN" sz="9600" dirty="0"/>
+              <a:t>Pix-to-Pix</a:t>
+            </a:r>
+          </a:p>
+          <a:p>
+            <a:r>
+              <a:rPr lang="en-US" altLang="zh-CN" sz="9600" dirty="0"/>
+              <a:t>CycleGAN</a:t>
+            </a:r>
+          </a:p>
+          <a:p>
+            <a:r>
+              <a:rPr lang="en-US" altLang="zh-CN" sz="9600" dirty="0"/>
+              <a:t>StarGAN</a:t>
+            </a:r>
+          </a:p>
+          <a:p>
+            <a:r>
+              <a:rPr lang="en-US" altLang="zh-CN" sz="9600" dirty="0"/>
+              <a:t>Text-to-Image</a:t>
+            </a:r>
+          </a:p>
+          <a:p>
+            <a:r>
+              <a:rPr lang="en-US" altLang="zh-CN" sz="9600" dirty="0"/>
+              <a:t>O-GAN</a:t>
+            </a:r>
+          </a:p>
+          <a:p>
             <a:endParaRPr lang="en-US" altLang="zh-CN" dirty="0"/>
           </a:p>
           <a:p>
-            <a:r>
-              <a:rPr lang="en-US" altLang="zh-CN" dirty="0" err="1"/>
-              <a:t>StyleGAN</a:t>
-            </a:r>
             <a:endParaRPr lang="en-US" altLang="zh-CN" dirty="0"/>
           </a:p>
           <a:p>
@@ -8752,13 +9443,13 @@
               </a:ext>
             </a:extLst>
           </a:blip>
-          <a:srcRect t="24682" r="1404"/>
+          <a:srcRect t="24682" r="1404" b="8942"/>
           <a:stretch/>
         </p:blipFill>
         <p:spPr bwMode="auto">
           <a:xfrm>
-            <a:off x="95145" y="1443789"/>
-            <a:ext cx="11942031" cy="5269832"/>
+            <a:off x="124984" y="1311441"/>
+            <a:ext cx="11942031" cy="4644191"/>
           </a:xfrm>
           <a:prstGeom prst="rect">
             <a:avLst/>
@@ -8773,6 +9464,36 @@
               </a14:hiddenFill>
             </a:ext>
           </a:extLst>
+        </p:spPr>
+      </p:pic>
+      <p:pic>
+        <p:nvPicPr>
+          <p:cNvPr id="3" name="图片 2">
+            <a:extLst>
+              <a:ext uri="{FF2B5EF4-FFF2-40B4-BE49-F238E27FC236}">
+                <a16:creationId xmlns:a16="http://schemas.microsoft.com/office/drawing/2014/main" id="{873BD26A-848C-4FD5-9586-0655D6D11E88}"/>
+              </a:ext>
+            </a:extLst>
+          </p:cNvPr>
+          <p:cNvPicPr>
+            <a:picLocks noChangeAspect="1"/>
+          </p:cNvPicPr>
+          <p:nvPr/>
+        </p:nvPicPr>
+        <p:blipFill>
+          <a:blip r:embed="rId4"/>
+          <a:stretch>
+            <a:fillRect/>
+          </a:stretch>
+        </p:blipFill>
+        <p:spPr>
+          <a:xfrm>
+            <a:off x="1860720" y="5751095"/>
+            <a:ext cx="10206295" cy="922255"/>
+          </a:xfrm>
+          <a:prstGeom prst="rect">
+            <a:avLst/>
+          </a:prstGeom>
         </p:spPr>
       </p:pic>
     </p:spTree>
@@ -9432,18 +10153,11 @@
           <a:lstStyle/>
           <a:p>
             <a:r>
-              <a:rPr lang="en-US" altLang="zh-CN" dirty="0" err="1">
-                <a:latin typeface="Times New Roman" panose="02020603050405020304" pitchFamily="18" charset="0"/>
-                <a:cs typeface="Times New Roman" panose="02020603050405020304" pitchFamily="18" charset="0"/>
-              </a:rPr>
-              <a:t>ResNet</a:t>
-            </a:r>
-            <a:r>
               <a:rPr lang="en-US" altLang="zh-CN" dirty="0">
                 <a:latin typeface="Times New Roman" panose="02020603050405020304" pitchFamily="18" charset="0"/>
                 <a:cs typeface="Times New Roman" panose="02020603050405020304" pitchFamily="18" charset="0"/>
               </a:rPr>
-              <a:t> + GAN</a:t>
+              <a:t>ResNet + GAN</a:t>
             </a:r>
             <a:endParaRPr lang="zh-CN" altLang="en-US" dirty="0">
               <a:latin typeface="Times New Roman" panose="02020603050405020304" pitchFamily="18" charset="0"/>
